--- a/Tutoriel.pptx
+++ b/Tutoriel.pptx
@@ -117,6 +117,11 @@
       </a:defRPr>
     </a:lvl9pPr>
   </p:defaultTextStyle>
+  <p:extLst>
+    <p:ext uri="{EFAFB233-063F-42B5-8137-9DF3F51BA10A}">
+      <p15:sldGuideLst xmlns:p15="http://schemas.microsoft.com/office/powerpoint/2012/main"/>
+    </p:ext>
+  </p:extLst>
 </p:presentation>
 </file>
 
@@ -251,7 +256,7 @@
           <a:p>
             <a:fld id="{2598FF8E-43CC-4EE6-AD3B-BACC906C2BC8}" type="datetimeFigureOut">
               <a:rPr lang="en-US" smtClean="0"/>
-              <a:t>1/3/2018</a:t>
+              <a:t>2/11/2018</a:t>
             </a:fld>
             <a:endParaRPr lang="en-US"/>
           </a:p>
@@ -421,7 +426,7 @@
           <a:p>
             <a:fld id="{2598FF8E-43CC-4EE6-AD3B-BACC906C2BC8}" type="datetimeFigureOut">
               <a:rPr lang="en-US" smtClean="0"/>
-              <a:t>1/3/2018</a:t>
+              <a:t>2/11/2018</a:t>
             </a:fld>
             <a:endParaRPr lang="en-US"/>
           </a:p>
@@ -601,7 +606,7 @@
           <a:p>
             <a:fld id="{2598FF8E-43CC-4EE6-AD3B-BACC906C2BC8}" type="datetimeFigureOut">
               <a:rPr lang="en-US" smtClean="0"/>
-              <a:t>1/3/2018</a:t>
+              <a:t>2/11/2018</a:t>
             </a:fld>
             <a:endParaRPr lang="en-US"/>
           </a:p>
@@ -771,7 +776,7 @@
           <a:p>
             <a:fld id="{2598FF8E-43CC-4EE6-AD3B-BACC906C2BC8}" type="datetimeFigureOut">
               <a:rPr lang="en-US" smtClean="0"/>
-              <a:t>1/3/2018</a:t>
+              <a:t>2/11/2018</a:t>
             </a:fld>
             <a:endParaRPr lang="en-US"/>
           </a:p>
@@ -1017,7 +1022,7 @@
           <a:p>
             <a:fld id="{2598FF8E-43CC-4EE6-AD3B-BACC906C2BC8}" type="datetimeFigureOut">
               <a:rPr lang="en-US" smtClean="0"/>
-              <a:t>1/3/2018</a:t>
+              <a:t>2/11/2018</a:t>
             </a:fld>
             <a:endParaRPr lang="en-US"/>
           </a:p>
@@ -1249,7 +1254,7 @@
           <a:p>
             <a:fld id="{2598FF8E-43CC-4EE6-AD3B-BACC906C2BC8}" type="datetimeFigureOut">
               <a:rPr lang="en-US" smtClean="0"/>
-              <a:t>1/3/2018</a:t>
+              <a:t>2/11/2018</a:t>
             </a:fld>
             <a:endParaRPr lang="en-US"/>
           </a:p>
@@ -1616,7 +1621,7 @@
           <a:p>
             <a:fld id="{2598FF8E-43CC-4EE6-AD3B-BACC906C2BC8}" type="datetimeFigureOut">
               <a:rPr lang="en-US" smtClean="0"/>
-              <a:t>1/3/2018</a:t>
+              <a:t>2/11/2018</a:t>
             </a:fld>
             <a:endParaRPr lang="en-US"/>
           </a:p>
@@ -1734,7 +1739,7 @@
           <a:p>
             <a:fld id="{2598FF8E-43CC-4EE6-AD3B-BACC906C2BC8}" type="datetimeFigureOut">
               <a:rPr lang="en-US" smtClean="0"/>
-              <a:t>1/3/2018</a:t>
+              <a:t>2/11/2018</a:t>
             </a:fld>
             <a:endParaRPr lang="en-US"/>
           </a:p>
@@ -1829,7 +1834,7 @@
           <a:p>
             <a:fld id="{2598FF8E-43CC-4EE6-AD3B-BACC906C2BC8}" type="datetimeFigureOut">
               <a:rPr lang="en-US" smtClean="0"/>
-              <a:t>1/3/2018</a:t>
+              <a:t>2/11/2018</a:t>
             </a:fld>
             <a:endParaRPr lang="en-US"/>
           </a:p>
@@ -2106,7 +2111,7 @@
           <a:p>
             <a:fld id="{2598FF8E-43CC-4EE6-AD3B-BACC906C2BC8}" type="datetimeFigureOut">
               <a:rPr lang="en-US" smtClean="0"/>
-              <a:t>1/3/2018</a:t>
+              <a:t>2/11/2018</a:t>
             </a:fld>
             <a:endParaRPr lang="en-US"/>
           </a:p>
@@ -2359,7 +2364,7 @@
           <a:p>
             <a:fld id="{2598FF8E-43CC-4EE6-AD3B-BACC906C2BC8}" type="datetimeFigureOut">
               <a:rPr lang="en-US" smtClean="0"/>
-              <a:t>1/3/2018</a:t>
+              <a:t>2/11/2018</a:t>
             </a:fld>
             <a:endParaRPr lang="en-US"/>
           </a:p>
@@ -2572,7 +2577,7 @@
           <a:p>
             <a:fld id="{2598FF8E-43CC-4EE6-AD3B-BACC906C2BC8}" type="datetimeFigureOut">
               <a:rPr lang="en-US" smtClean="0"/>
-              <a:t>1/3/2018</a:t>
+              <a:t>2/11/2018</a:t>
             </a:fld>
             <a:endParaRPr lang="en-US"/>
           </a:p>
@@ -3109,7 +3114,19 @@
           <a:p>
             <a:r>
               <a:rPr lang="en-US" dirty="0" smtClean="0"/>
-              <a:t>Faire pull du depot avec : </a:t>
+              <a:t>Faire pull du </a:t>
+            </a:r>
+            <a:r>
+              <a:rPr lang="fr-FR" dirty="0" smtClean="0"/>
+              <a:t>dépôt</a:t>
+            </a:r>
+            <a:r>
+              <a:rPr lang="en-US" dirty="0" smtClean="0"/>
+              <a:t> </a:t>
+            </a:r>
+            <a:r>
+              <a:rPr lang="en-US" dirty="0" smtClean="0"/>
+              <a:t>avec : </a:t>
             </a:r>
             <a:r>
               <a:rPr lang="en-US" dirty="0" err="1" smtClean="0"/>
@@ -3448,7 +3465,7 @@
             </a:r>
             <a:r>
               <a:rPr lang="en-US" i="1" dirty="0" smtClean="0"/>
-              <a:t> run /hello-world</a:t>
+              <a:t> run hello-world</a:t>
             </a:r>
           </a:p>
           <a:p>
@@ -3731,7 +3748,6 @@
               <a:rPr lang="fr-FR" b="1" dirty="0" smtClean="0"/>
               <a:t>Exigences</a:t>
             </a:r>
-            <a:endParaRPr lang="fr-FR" b="1" dirty="0" smtClean="0"/>
           </a:p>
         </p:txBody>
       </p:sp>
@@ -4519,15 +4535,7 @@
           <a:p>
             <a:r>
               <a:rPr lang="fr-FR" dirty="0" smtClean="0"/>
-              <a:t>Une fois que vous vous êtes inscrit et que vous avez créé un </a:t>
-            </a:r>
-            <a:r>
-              <a:rPr lang="fr-FR" dirty="0" smtClean="0"/>
-              <a:t>dépôt </a:t>
-            </a:r>
-            <a:r>
-              <a:rPr lang="fr-FR" dirty="0" smtClean="0"/>
-              <a:t>, accédez à la ligne de commande et connectez-vous avec: </a:t>
+              <a:t>Une fois que vous vous êtes inscrit et que vous avez créé un dépôt , accédez à la ligne de commande et connectez-vous avec: </a:t>
             </a:r>
             <a:r>
               <a:rPr lang="fr-FR" i="1" dirty="0" smtClean="0"/>

--- a/Tutoriel.pptx
+++ b/Tutoriel.pptx
@@ -13,12 +13,17 @@
     <p:sldId id="262" r:id="rId7"/>
     <p:sldId id="263" r:id="rId8"/>
     <p:sldId id="264" r:id="rId9"/>
-    <p:sldId id="265" r:id="rId10"/>
-    <p:sldId id="266" r:id="rId11"/>
-    <p:sldId id="267" r:id="rId12"/>
-    <p:sldId id="268" r:id="rId13"/>
-    <p:sldId id="269" r:id="rId14"/>
-    <p:sldId id="258" r:id="rId15"/>
+    <p:sldId id="270" r:id="rId10"/>
+    <p:sldId id="271" r:id="rId11"/>
+    <p:sldId id="272" r:id="rId12"/>
+    <p:sldId id="265" r:id="rId13"/>
+    <p:sldId id="267" r:id="rId14"/>
+    <p:sldId id="268" r:id="rId15"/>
+    <p:sldId id="273" r:id="rId16"/>
+    <p:sldId id="274" r:id="rId17"/>
+    <p:sldId id="266" r:id="rId18"/>
+    <p:sldId id="269" r:id="rId19"/>
+    <p:sldId id="258" r:id="rId20"/>
   </p:sldIdLst>
   <p:sldSz cx="12192000" cy="6858000"/>
   <p:notesSz cx="6858000" cy="9144000"/>
@@ -256,7 +261,7 @@
           <a:p>
             <a:fld id="{2598FF8E-43CC-4EE6-AD3B-BACC906C2BC8}" type="datetimeFigureOut">
               <a:rPr lang="en-US" smtClean="0"/>
-              <a:t>2/11/2018</a:t>
+              <a:t>2/13/2018</a:t>
             </a:fld>
             <a:endParaRPr lang="en-US"/>
           </a:p>
@@ -426,7 +431,7 @@
           <a:p>
             <a:fld id="{2598FF8E-43CC-4EE6-AD3B-BACC906C2BC8}" type="datetimeFigureOut">
               <a:rPr lang="en-US" smtClean="0"/>
-              <a:t>2/11/2018</a:t>
+              <a:t>2/13/2018</a:t>
             </a:fld>
             <a:endParaRPr lang="en-US"/>
           </a:p>
@@ -606,7 +611,7 @@
           <a:p>
             <a:fld id="{2598FF8E-43CC-4EE6-AD3B-BACC906C2BC8}" type="datetimeFigureOut">
               <a:rPr lang="en-US" smtClean="0"/>
-              <a:t>2/11/2018</a:t>
+              <a:t>2/13/2018</a:t>
             </a:fld>
             <a:endParaRPr lang="en-US"/>
           </a:p>
@@ -776,7 +781,7 @@
           <a:p>
             <a:fld id="{2598FF8E-43CC-4EE6-AD3B-BACC906C2BC8}" type="datetimeFigureOut">
               <a:rPr lang="en-US" smtClean="0"/>
-              <a:t>2/11/2018</a:t>
+              <a:t>2/13/2018</a:t>
             </a:fld>
             <a:endParaRPr lang="en-US"/>
           </a:p>
@@ -1022,7 +1027,7 @@
           <a:p>
             <a:fld id="{2598FF8E-43CC-4EE6-AD3B-BACC906C2BC8}" type="datetimeFigureOut">
               <a:rPr lang="en-US" smtClean="0"/>
-              <a:t>2/11/2018</a:t>
+              <a:t>2/13/2018</a:t>
             </a:fld>
             <a:endParaRPr lang="en-US"/>
           </a:p>
@@ -1254,7 +1259,7 @@
           <a:p>
             <a:fld id="{2598FF8E-43CC-4EE6-AD3B-BACC906C2BC8}" type="datetimeFigureOut">
               <a:rPr lang="en-US" smtClean="0"/>
-              <a:t>2/11/2018</a:t>
+              <a:t>2/13/2018</a:t>
             </a:fld>
             <a:endParaRPr lang="en-US"/>
           </a:p>
@@ -1621,7 +1626,7 @@
           <a:p>
             <a:fld id="{2598FF8E-43CC-4EE6-AD3B-BACC906C2BC8}" type="datetimeFigureOut">
               <a:rPr lang="en-US" smtClean="0"/>
-              <a:t>2/11/2018</a:t>
+              <a:t>2/13/2018</a:t>
             </a:fld>
             <a:endParaRPr lang="en-US"/>
           </a:p>
@@ -1739,7 +1744,7 @@
           <a:p>
             <a:fld id="{2598FF8E-43CC-4EE6-AD3B-BACC906C2BC8}" type="datetimeFigureOut">
               <a:rPr lang="en-US" smtClean="0"/>
-              <a:t>2/11/2018</a:t>
+              <a:t>2/13/2018</a:t>
             </a:fld>
             <a:endParaRPr lang="en-US"/>
           </a:p>
@@ -1834,7 +1839,7 @@
           <a:p>
             <a:fld id="{2598FF8E-43CC-4EE6-AD3B-BACC906C2BC8}" type="datetimeFigureOut">
               <a:rPr lang="en-US" smtClean="0"/>
-              <a:t>2/11/2018</a:t>
+              <a:t>2/13/2018</a:t>
             </a:fld>
             <a:endParaRPr lang="en-US"/>
           </a:p>
@@ -2111,7 +2116,7 @@
           <a:p>
             <a:fld id="{2598FF8E-43CC-4EE6-AD3B-BACC906C2BC8}" type="datetimeFigureOut">
               <a:rPr lang="en-US" smtClean="0"/>
-              <a:t>2/11/2018</a:t>
+              <a:t>2/13/2018</a:t>
             </a:fld>
             <a:endParaRPr lang="en-US"/>
           </a:p>
@@ -2364,7 +2369,7 @@
           <a:p>
             <a:fld id="{2598FF8E-43CC-4EE6-AD3B-BACC906C2BC8}" type="datetimeFigureOut">
               <a:rPr lang="en-US" smtClean="0"/>
-              <a:t>2/11/2018</a:t>
+              <a:t>2/13/2018</a:t>
             </a:fld>
             <a:endParaRPr lang="en-US"/>
           </a:p>
@@ -2577,7 +2582,7 @@
           <a:p>
             <a:fld id="{2598FF8E-43CC-4EE6-AD3B-BACC906C2BC8}" type="datetimeFigureOut">
               <a:rPr lang="en-US" smtClean="0"/>
-              <a:t>2/11/2018</a:t>
+              <a:t>2/13/2018</a:t>
             </a:fld>
             <a:endParaRPr lang="en-US"/>
           </a:p>
@@ -3091,7 +3096,7 @@
             </a:r>
             <a:r>
               <a:rPr lang="en-US" b="1" dirty="0" smtClean="0"/>
-              <a:t> 7</a:t>
+              <a:t> 5</a:t>
             </a:r>
             <a:endParaRPr lang="en-US" b="1" dirty="0"/>
           </a:p>
@@ -3109,32 +3114,141 @@
         </p:nvSpPr>
         <p:spPr/>
         <p:txBody>
-          <a:bodyPr/>
-          <a:lstStyle/>
-          <a:p>
-            <a:r>
-              <a:rPr lang="en-US" dirty="0" smtClean="0"/>
-              <a:t>Faire pull du </a:t>
-            </a:r>
-            <a:r>
-              <a:rPr lang="fr-FR" dirty="0" smtClean="0"/>
-              <a:t>dépôt</a:t>
-            </a:r>
-            <a:r>
-              <a:rPr lang="en-US" dirty="0" smtClean="0"/>
+          <a:bodyPr>
+            <a:normAutofit fontScale="55000" lnSpcReduction="20000"/>
+          </a:bodyPr>
+          <a:lstStyle/>
+          <a:p>
+            <a:pPr marL="0" indent="0">
+              <a:buNone/>
+            </a:pPr>
+            <a:r>
+              <a:rPr lang="fr-FR" sz="4400" dirty="0" smtClean="0"/>
+              <a:t>ff400272ea3d</a:t>
+            </a:r>
+            <a:r>
+              <a:rPr lang="fr-FR" sz="4400" dirty="0"/>
+              <a:t>: Pull </a:t>
+            </a:r>
+            <a:r>
+              <a:rPr lang="fr-FR" sz="4400" dirty="0" err="1"/>
+              <a:t>complete</a:t>
+            </a:r>
+            <a:r>
+              <a:rPr lang="fr-FR" sz="4400" dirty="0"/>
               <a:t> </a:t>
             </a:r>
-            <a:r>
-              <a:rPr lang="en-US" dirty="0" smtClean="0"/>
-              <a:t>avec : </a:t>
-            </a:r>
-            <a:r>
-              <a:rPr lang="en-US" dirty="0" err="1" smtClean="0"/>
-              <a:t>docker</a:t>
-            </a:r>
-            <a:r>
-              <a:rPr lang="en-US" dirty="0" smtClean="0"/>
-              <a:t> pull hello-world</a:t>
+          </a:p>
+          <a:p>
+            <a:pPr marL="0" indent="0">
+              <a:buNone/>
+            </a:pPr>
+            <a:r>
+              <a:rPr lang="fr-FR" sz="4400" dirty="0"/>
+              <a:t>Digest: sha256:9bcef066dc6e6fe791b5ec8c610054e482c156add6d24a7b44556a100ff77ce4</a:t>
+            </a:r>
+          </a:p>
+          <a:p>
+            <a:pPr marL="0" indent="0">
+              <a:buNone/>
+            </a:pPr>
+            <a:r>
+              <a:rPr lang="fr-FR" sz="4400" dirty="0" err="1"/>
+              <a:t>Status</a:t>
+            </a:r>
+            <a:r>
+              <a:rPr lang="fr-FR" sz="4400" dirty="0"/>
+              <a:t>: </a:t>
+            </a:r>
+            <a:r>
+              <a:rPr lang="fr-FR" sz="4400" dirty="0" err="1"/>
+              <a:t>Downloaded</a:t>
+            </a:r>
+            <a:r>
+              <a:rPr lang="fr-FR" sz="4400" dirty="0"/>
+              <a:t> </a:t>
+            </a:r>
+            <a:r>
+              <a:rPr lang="fr-FR" sz="4400" dirty="0" err="1"/>
+              <a:t>newer</a:t>
+            </a:r>
+            <a:r>
+              <a:rPr lang="fr-FR" sz="4400" dirty="0"/>
+              <a:t> image for java:9</a:t>
+            </a:r>
+          </a:p>
+          <a:p>
+            <a:pPr marL="0" indent="0">
+              <a:buNone/>
+            </a:pPr>
+            <a:r>
+              <a:rPr lang="fr-FR" sz="4400" dirty="0"/>
+              <a:t> ---&gt; 1800de06a3eb</a:t>
+            </a:r>
+          </a:p>
+          <a:p>
+            <a:pPr marL="0" indent="0">
+              <a:buNone/>
+            </a:pPr>
+            <a:r>
+              <a:rPr lang="fr-FR" sz="4400" dirty="0" err="1"/>
+              <a:t>Step</a:t>
+            </a:r>
+            <a:r>
+              <a:rPr lang="fr-FR" sz="4400" dirty="0"/>
+              <a:t> 2/5 : WORKDIR /</a:t>
+            </a:r>
+          </a:p>
+          <a:p>
+            <a:pPr marL="0" indent="0">
+              <a:buNone/>
+            </a:pPr>
+            <a:r>
+              <a:rPr lang="fr-FR" sz="4400" dirty="0" err="1"/>
+              <a:t>Removing</a:t>
+            </a:r>
+            <a:r>
+              <a:rPr lang="fr-FR" sz="4400" dirty="0"/>
+              <a:t> </a:t>
+            </a:r>
+            <a:r>
+              <a:rPr lang="fr-FR" sz="4400" dirty="0" err="1"/>
+              <a:t>intermediate</a:t>
+            </a:r>
+            <a:r>
+              <a:rPr lang="fr-FR" sz="4400" dirty="0"/>
+              <a:t> container e84842a5681f</a:t>
+            </a:r>
+          </a:p>
+          <a:p>
+            <a:pPr marL="0" indent="0">
+              <a:buNone/>
+            </a:pPr>
+            <a:r>
+              <a:rPr lang="fr-FR" sz="4400" dirty="0"/>
+              <a:t> ---&gt; 84a9ff9e2839</a:t>
+            </a:r>
+          </a:p>
+          <a:p>
+            <a:pPr marL="0" indent="0">
+              <a:buNone/>
+            </a:pPr>
+            <a:r>
+              <a:rPr lang="fr-FR" sz="4400" dirty="0" err="1"/>
+              <a:t>Step</a:t>
+            </a:r>
+            <a:r>
+              <a:rPr lang="fr-FR" sz="4400" dirty="0"/>
+              <a:t> 3/5 : ADD HelloWorld.jar HelloWorld.jar</a:t>
+            </a:r>
+          </a:p>
+          <a:p>
+            <a:pPr marL="0" indent="0">
+              <a:buNone/>
+            </a:pPr>
+            <a:r>
+              <a:rPr lang="fr-FR" sz="4400" dirty="0"/>
+              <a:t> ---&gt; cf0031689327</a:t>
             </a:r>
           </a:p>
           <a:p>
@@ -3148,20 +3262,13 @@
     </p:spTree>
     <p:extLst>
       <p:ext uri="{BB962C8B-B14F-4D97-AF65-F5344CB8AC3E}">
-        <p14:creationId xmlns:p14="http://schemas.microsoft.com/office/powerpoint/2010/main" val="1413063632"/>
+        <p14:creationId xmlns:p14="http://schemas.microsoft.com/office/powerpoint/2010/main" val="417545867"/>
       </p:ext>
     </p:extLst>
   </p:cSld>
   <p:clrMapOvr>
     <a:masterClrMapping/>
   </p:clrMapOvr>
-  <p:timing>
-    <p:tnLst>
-      <p:par>
-        <p:cTn id="1" dur="indefinite" restart="never" nodeType="tmRoot"/>
-      </p:par>
-    </p:tnLst>
-  </p:timing>
 </p:sld>
 </file>
 
@@ -3203,7 +3310,7 @@
             </a:r>
             <a:r>
               <a:rPr lang="en-US" b="1" dirty="0" smtClean="0"/>
-              <a:t> 8</a:t>
+              <a:t> 5</a:t>
             </a:r>
             <a:endParaRPr lang="en-US" b="1" dirty="0"/>
           </a:p>
@@ -3221,43 +3328,173 @@
         </p:nvSpPr>
         <p:spPr/>
         <p:txBody>
-          <a:bodyPr/>
-          <a:lstStyle/>
-          <a:p>
-            <a:r>
-              <a:rPr lang="fr-FR" dirty="0" smtClean="0"/>
-              <a:t>Pour envoyer votre image Docker à </a:t>
-            </a:r>
-            <a:r>
-              <a:rPr lang="fr-FR" dirty="0" err="1" smtClean="0"/>
-              <a:t>DockerHub</a:t>
-            </a:r>
-            <a:r>
-              <a:rPr lang="fr-FR" dirty="0" smtClean="0"/>
-              <a:t>, vous devez déterminer votre </a:t>
-            </a:r>
-            <a:r>
-              <a:rPr lang="fr-FR" dirty="0" err="1" smtClean="0"/>
-              <a:t>Docker_Image_ID</a:t>
-            </a:r>
-            <a:r>
-              <a:rPr lang="fr-FR" dirty="0" smtClean="0"/>
-              <a:t>.</a:t>
-            </a:r>
-          </a:p>
-          <a:p>
-            <a:r>
-              <a:rPr lang="fr-FR" i="1" dirty="0" smtClean="0"/>
-              <a:t>docker images</a:t>
-            </a:r>
-            <a:endParaRPr lang="en-US" i="1" dirty="0"/>
+          <a:bodyPr>
+            <a:normAutofit fontScale="62500" lnSpcReduction="20000"/>
+          </a:bodyPr>
+          <a:lstStyle/>
+          <a:p>
+            <a:pPr marL="0" indent="0">
+              <a:buNone/>
+            </a:pPr>
+            <a:r>
+              <a:rPr lang="fr-FR" sz="4400" dirty="0" err="1"/>
+              <a:t>Step</a:t>
+            </a:r>
+            <a:r>
+              <a:rPr lang="fr-FR" sz="4400" dirty="0"/>
+              <a:t> 4/5 : EXPOSE 8080</a:t>
+            </a:r>
+          </a:p>
+          <a:p>
+            <a:pPr marL="0" indent="0">
+              <a:buNone/>
+            </a:pPr>
+            <a:r>
+              <a:rPr lang="fr-FR" sz="4400" dirty="0"/>
+              <a:t> ---&gt; Running in 5e71aa50cdd9</a:t>
+            </a:r>
+          </a:p>
+          <a:p>
+            <a:pPr marL="0" indent="0">
+              <a:buNone/>
+            </a:pPr>
+            <a:r>
+              <a:rPr lang="fr-FR" sz="4400" dirty="0" err="1"/>
+              <a:t>Removing</a:t>
+            </a:r>
+            <a:r>
+              <a:rPr lang="fr-FR" sz="4400" dirty="0"/>
+              <a:t> </a:t>
+            </a:r>
+            <a:r>
+              <a:rPr lang="fr-FR" sz="4400" dirty="0" err="1"/>
+              <a:t>intermediate</a:t>
+            </a:r>
+            <a:r>
+              <a:rPr lang="fr-FR" sz="4400" dirty="0"/>
+              <a:t> container 5e71aa50cdd9</a:t>
+            </a:r>
+          </a:p>
+          <a:p>
+            <a:pPr marL="0" indent="0">
+              <a:buNone/>
+            </a:pPr>
+            <a:r>
+              <a:rPr lang="fr-FR" sz="4400" dirty="0"/>
+              <a:t> ---&gt; 29f9d83fa6ed</a:t>
+            </a:r>
+          </a:p>
+          <a:p>
+            <a:pPr marL="0" indent="0">
+              <a:buNone/>
+            </a:pPr>
+            <a:r>
+              <a:rPr lang="fr-FR" sz="4400" dirty="0" err="1"/>
+              <a:t>Step</a:t>
+            </a:r>
+            <a:r>
+              <a:rPr lang="fr-FR" sz="4400" dirty="0"/>
+              <a:t> 5/5 : CMD java - jar HelloWorld.jar</a:t>
+            </a:r>
+          </a:p>
+          <a:p>
+            <a:pPr marL="0" indent="0">
+              <a:buNone/>
+            </a:pPr>
+            <a:r>
+              <a:rPr lang="fr-FR" sz="4400" dirty="0"/>
+              <a:t> ---&gt; Running in b2e2b5575577</a:t>
+            </a:r>
+          </a:p>
+          <a:p>
+            <a:pPr marL="0" indent="0">
+              <a:buNone/>
+            </a:pPr>
+            <a:r>
+              <a:rPr lang="fr-FR" sz="4400" dirty="0" err="1"/>
+              <a:t>Removing</a:t>
+            </a:r>
+            <a:r>
+              <a:rPr lang="fr-FR" sz="4400" dirty="0"/>
+              <a:t> </a:t>
+            </a:r>
+            <a:r>
+              <a:rPr lang="fr-FR" sz="4400" dirty="0" err="1"/>
+              <a:t>intermediate</a:t>
+            </a:r>
+            <a:r>
+              <a:rPr lang="fr-FR" sz="4400" dirty="0"/>
+              <a:t> container b2e2b5575577</a:t>
+            </a:r>
+          </a:p>
+          <a:p>
+            <a:pPr marL="0" indent="0">
+              <a:buNone/>
+            </a:pPr>
+            <a:r>
+              <a:rPr lang="fr-FR" sz="4400" dirty="0"/>
+              <a:t> ---&gt; 189751ba6265</a:t>
+            </a:r>
+          </a:p>
+          <a:p>
+            <a:pPr marL="0" indent="0">
+              <a:buNone/>
+            </a:pPr>
+            <a:r>
+              <a:rPr lang="fr-FR" sz="4400" dirty="0" err="1"/>
+              <a:t>Successfully</a:t>
+            </a:r>
+            <a:r>
+              <a:rPr lang="fr-FR" sz="4400" dirty="0"/>
+              <a:t> </a:t>
+            </a:r>
+            <a:r>
+              <a:rPr lang="fr-FR" sz="4400" dirty="0" err="1"/>
+              <a:t>built</a:t>
+            </a:r>
+            <a:r>
+              <a:rPr lang="fr-FR" sz="4400" dirty="0"/>
+              <a:t> 189751ba6265</a:t>
+            </a:r>
+          </a:p>
+          <a:p>
+            <a:pPr marL="0" indent="0">
+              <a:buNone/>
+            </a:pPr>
+            <a:r>
+              <a:rPr lang="fr-FR" sz="4400" dirty="0" err="1"/>
+              <a:t>Successfully</a:t>
+            </a:r>
+            <a:r>
+              <a:rPr lang="fr-FR" sz="4400" dirty="0"/>
+              <a:t> </a:t>
+            </a:r>
+            <a:r>
+              <a:rPr lang="fr-FR" sz="4400" dirty="0" err="1"/>
+              <a:t>tagged</a:t>
+            </a:r>
+            <a:r>
+              <a:rPr lang="fr-FR" sz="4400" dirty="0"/>
+              <a:t> </a:t>
+            </a:r>
+            <a:r>
+              <a:rPr lang="fr-FR" sz="4400" dirty="0" err="1"/>
+              <a:t>helloworldimage:latest</a:t>
+            </a:r>
+            <a:endParaRPr lang="fr-FR" sz="4400" dirty="0"/>
+          </a:p>
+          <a:p>
+            <a:pPr marL="0" indent="0">
+              <a:buNone/>
+            </a:pPr>
+            <a:endParaRPr lang="en-US" dirty="0"/>
           </a:p>
         </p:txBody>
       </p:sp>
     </p:spTree>
     <p:extLst>
       <p:ext uri="{BB962C8B-B14F-4D97-AF65-F5344CB8AC3E}">
-        <p14:creationId xmlns:p14="http://schemas.microsoft.com/office/powerpoint/2010/main" val="3180829735"/>
+        <p14:creationId xmlns:p14="http://schemas.microsoft.com/office/powerpoint/2010/main" val="129408075"/>
       </p:ext>
     </p:extLst>
   </p:cSld>
@@ -3305,7 +3542,203 @@
             </a:r>
             <a:r>
               <a:rPr lang="en-US" b="1" dirty="0" smtClean="0"/>
-              <a:t> 9</a:t>
+              <a:t> 6</a:t>
+            </a:r>
+            <a:endParaRPr lang="en-US" b="1" dirty="0"/>
+          </a:p>
+        </p:txBody>
+      </p:sp>
+      <p:sp>
+        <p:nvSpPr>
+          <p:cNvPr id="3" name="Content Placeholder 2"/>
+          <p:cNvSpPr>
+            <a:spLocks noGrp="1"/>
+          </p:cNvSpPr>
+          <p:nvPr>
+            <p:ph idx="1"/>
+          </p:nvPr>
+        </p:nvSpPr>
+        <p:spPr/>
+        <p:txBody>
+          <a:bodyPr/>
+          <a:lstStyle/>
+          <a:p>
+            <a:r>
+              <a:rPr lang="fr-FR" dirty="0"/>
+              <a:t>C</a:t>
+            </a:r>
+            <a:r>
+              <a:rPr lang="fr-FR" dirty="0" smtClean="0"/>
+              <a:t>réez un compte sur dockerhub.com</a:t>
+            </a:r>
+          </a:p>
+          <a:p>
+            <a:r>
+              <a:rPr lang="fr-FR" dirty="0" smtClean="0"/>
+              <a:t>Une fois que vous vous êtes inscrit et que vous avez créé un dépôt , accédez à la ligne de commande et connectez-vous avec: </a:t>
+            </a:r>
+            <a:r>
+              <a:rPr lang="fr-FR" i="1" dirty="0" smtClean="0"/>
+              <a:t>docker login</a:t>
+            </a:r>
+            <a:endParaRPr lang="en-US" i="1" dirty="0"/>
+          </a:p>
+        </p:txBody>
+      </p:sp>
+    </p:spTree>
+    <p:extLst>
+      <p:ext uri="{BB962C8B-B14F-4D97-AF65-F5344CB8AC3E}">
+        <p14:creationId xmlns:p14="http://schemas.microsoft.com/office/powerpoint/2010/main" val="363345429"/>
+      </p:ext>
+    </p:extLst>
+  </p:cSld>
+  <p:clrMapOvr>
+    <a:masterClrMapping/>
+  </p:clrMapOvr>
+</p:sld>
+</file>
+
+<file path=ppt/slides/slide13.xml><?xml version="1.0" encoding="utf-8"?>
+<p:sld xmlns:a="http://schemas.openxmlformats.org/drawingml/2006/main" xmlns:r="http://schemas.openxmlformats.org/officeDocument/2006/relationships" xmlns:p="http://schemas.openxmlformats.org/presentationml/2006/main">
+  <p:cSld>
+    <p:spTree>
+      <p:nvGrpSpPr>
+        <p:cNvPr id="1" name=""/>
+        <p:cNvGrpSpPr/>
+        <p:nvPr/>
+      </p:nvGrpSpPr>
+      <p:grpSpPr>
+        <a:xfrm>
+          <a:off x="0" y="0"/>
+          <a:ext cx="0" cy="0"/>
+          <a:chOff x="0" y="0"/>
+          <a:chExt cx="0" cy="0"/>
+        </a:xfrm>
+      </p:grpSpPr>
+      <p:sp>
+        <p:nvSpPr>
+          <p:cNvPr id="2" name="Title 1"/>
+          <p:cNvSpPr>
+            <a:spLocks noGrp="1"/>
+          </p:cNvSpPr>
+          <p:nvPr>
+            <p:ph type="title"/>
+          </p:nvPr>
+        </p:nvSpPr>
+        <p:spPr/>
+        <p:txBody>
+          <a:bodyPr/>
+          <a:lstStyle/>
+          <a:p>
+            <a:r>
+              <a:rPr lang="en-US" b="1" dirty="0" err="1" smtClean="0"/>
+              <a:t>Etape</a:t>
+            </a:r>
+            <a:r>
+              <a:rPr lang="en-US" b="1" dirty="0" smtClean="0"/>
+              <a:t> 7</a:t>
+            </a:r>
+            <a:endParaRPr lang="en-US" b="1" dirty="0"/>
+          </a:p>
+        </p:txBody>
+      </p:sp>
+      <p:sp>
+        <p:nvSpPr>
+          <p:cNvPr id="3" name="Content Placeholder 2"/>
+          <p:cNvSpPr>
+            <a:spLocks noGrp="1"/>
+          </p:cNvSpPr>
+          <p:nvPr>
+            <p:ph idx="1"/>
+          </p:nvPr>
+        </p:nvSpPr>
+        <p:spPr/>
+        <p:txBody>
+          <a:bodyPr/>
+          <a:lstStyle/>
+          <a:p>
+            <a:r>
+              <a:rPr lang="fr-FR" dirty="0" smtClean="0"/>
+              <a:t>Pour envoyer votre image Docker à </a:t>
+            </a:r>
+            <a:r>
+              <a:rPr lang="fr-FR" dirty="0" err="1" smtClean="0"/>
+              <a:t>DockerHub</a:t>
+            </a:r>
+            <a:r>
+              <a:rPr lang="fr-FR" dirty="0" smtClean="0"/>
+              <a:t>, vous devez déterminer votre </a:t>
+            </a:r>
+            <a:r>
+              <a:rPr lang="fr-FR" dirty="0" err="1" smtClean="0"/>
+              <a:t>Docker_Image_ID</a:t>
+            </a:r>
+            <a:r>
+              <a:rPr lang="fr-FR" dirty="0" smtClean="0"/>
+              <a:t>.</a:t>
+            </a:r>
+          </a:p>
+          <a:p>
+            <a:r>
+              <a:rPr lang="fr-FR" i="1" dirty="0" smtClean="0"/>
+              <a:t>docker images</a:t>
+            </a:r>
+            <a:endParaRPr lang="en-US" i="1" dirty="0"/>
+          </a:p>
+        </p:txBody>
+      </p:sp>
+    </p:spTree>
+    <p:extLst>
+      <p:ext uri="{BB962C8B-B14F-4D97-AF65-F5344CB8AC3E}">
+        <p14:creationId xmlns:p14="http://schemas.microsoft.com/office/powerpoint/2010/main" val="3180829735"/>
+      </p:ext>
+    </p:extLst>
+  </p:cSld>
+  <p:clrMapOvr>
+    <a:masterClrMapping/>
+  </p:clrMapOvr>
+</p:sld>
+</file>
+
+<file path=ppt/slides/slide14.xml><?xml version="1.0" encoding="utf-8"?>
+<p:sld xmlns:a="http://schemas.openxmlformats.org/drawingml/2006/main" xmlns:r="http://schemas.openxmlformats.org/officeDocument/2006/relationships" xmlns:p="http://schemas.openxmlformats.org/presentationml/2006/main">
+  <p:cSld>
+    <p:spTree>
+      <p:nvGrpSpPr>
+        <p:cNvPr id="1" name=""/>
+        <p:cNvGrpSpPr/>
+        <p:nvPr/>
+      </p:nvGrpSpPr>
+      <p:grpSpPr>
+        <a:xfrm>
+          <a:off x="0" y="0"/>
+          <a:ext cx="0" cy="0"/>
+          <a:chOff x="0" y="0"/>
+          <a:chExt cx="0" cy="0"/>
+        </a:xfrm>
+      </p:grpSpPr>
+      <p:sp>
+        <p:nvSpPr>
+          <p:cNvPr id="2" name="Title 1"/>
+          <p:cNvSpPr>
+            <a:spLocks noGrp="1"/>
+          </p:cNvSpPr>
+          <p:nvPr>
+            <p:ph type="title"/>
+          </p:nvPr>
+        </p:nvSpPr>
+        <p:spPr/>
+        <p:txBody>
+          <a:bodyPr/>
+          <a:lstStyle/>
+          <a:p>
+            <a:r>
+              <a:rPr lang="en-US" b="1" dirty="0" err="1" smtClean="0"/>
+              <a:t>Etape</a:t>
+            </a:r>
+            <a:r>
+              <a:rPr lang="en-US" b="1" dirty="0" smtClean="0"/>
+              <a:t> 7</a:t>
             </a:r>
             <a:endParaRPr lang="en-US" b="1" dirty="0"/>
           </a:p>
@@ -3357,8 +3790,21 @@
             </a:r>
             <a:r>
               <a:rPr lang="en-US" i="1" dirty="0" smtClean="0"/>
-              <a:t> tag 4b795844c7ab hello-world </a:t>
-            </a:r>
+              <a:t> tag 4b795844c7ab </a:t>
+            </a:r>
+            <a:r>
+              <a:rPr lang="en-US" i="1" dirty="0" err="1" smtClean="0"/>
+              <a:t>IDonDockerHub</a:t>
+            </a:r>
+            <a:r>
+              <a:rPr lang="en-US" i="1" dirty="0" smtClean="0"/>
+              <a:t>/</a:t>
+            </a:r>
+            <a:r>
+              <a:rPr lang="en-US" i="1" dirty="0" err="1" smtClean="0"/>
+              <a:t>imagename</a:t>
+            </a:r>
+            <a:endParaRPr lang="en-US" i="1" dirty="0" smtClean="0"/>
           </a:p>
           <a:p>
             <a:pPr marL="0" indent="0">
@@ -3374,9 +3820,33 @@
             </a:r>
             <a:r>
               <a:rPr lang="en-US" i="1" dirty="0" err="1" smtClean="0"/>
-              <a:t>hello-world:latest</a:t>
-            </a:r>
-            <a:endParaRPr lang="en-US" i="1" dirty="0"/>
+              <a:t>IDonDockerHub</a:t>
+            </a:r>
+            <a:r>
+              <a:rPr lang="en-US" i="1" dirty="0" smtClean="0"/>
+              <a:t>/</a:t>
+            </a:r>
+            <a:r>
+              <a:rPr lang="en-US" i="1" dirty="0" err="1" smtClean="0"/>
+              <a:t>imagename</a:t>
+            </a:r>
+            <a:endParaRPr lang="en-US" i="1" dirty="0" smtClean="0"/>
+          </a:p>
+          <a:p>
+            <a:pPr marL="0" indent="0">
+              <a:buNone/>
+            </a:pPr>
+            <a:endParaRPr lang="en-US" i="1" dirty="0" smtClean="0"/>
+          </a:p>
+          <a:p>
+            <a:r>
+              <a:rPr lang="en-US" i="1" dirty="0" smtClean="0"/>
+              <a:t>Reference: https</a:t>
+            </a:r>
+            <a:r>
+              <a:rPr lang="en-US" i="1" dirty="0"/>
+              <a:t>://docs.docker.com/docker-cloud/builds/push-images/</a:t>
+            </a:r>
           </a:p>
         </p:txBody>
       </p:sp>
@@ -3400,7 +3870,7 @@
 </p:sld>
 </file>
 
-<file path=ppt/slides/slide13.xml><?xml version="1.0" encoding="utf-8"?>
+<file path=ppt/slides/slide15.xml><?xml version="1.0" encoding="utf-8"?>
 <p:sld xmlns:a="http://schemas.openxmlformats.org/drawingml/2006/main" xmlns:r="http://schemas.openxmlformats.org/officeDocument/2006/relationships" xmlns:p="http://schemas.openxmlformats.org/presentationml/2006/main">
   <p:cSld>
     <p:spTree>
@@ -3433,12 +3903,584 @@
           <a:lstStyle/>
           <a:p>
             <a:r>
+              <a:rPr lang="en-US" b="1" dirty="0" err="1" smtClean="0"/>
+              <a:t>Etape</a:t>
+            </a:r>
+            <a:r>
+              <a:rPr lang="en-US" b="1" dirty="0" smtClean="0"/>
+              <a:t> 7</a:t>
+            </a:r>
+            <a:endParaRPr lang="en-US" b="1" dirty="0"/>
+          </a:p>
+        </p:txBody>
+      </p:sp>
+      <p:sp>
+        <p:nvSpPr>
+          <p:cNvPr id="3" name="Content Placeholder 2"/>
+          <p:cNvSpPr>
+            <a:spLocks noGrp="1"/>
+          </p:cNvSpPr>
+          <p:nvPr>
+            <p:ph idx="1"/>
+          </p:nvPr>
+        </p:nvSpPr>
+        <p:spPr/>
+        <p:txBody>
+          <a:bodyPr>
+            <a:normAutofit fontScale="92500" lnSpcReduction="20000"/>
+          </a:bodyPr>
+          <a:lstStyle/>
+          <a:p>
+            <a:pPr marL="0" indent="0">
+              <a:buNone/>
+            </a:pPr>
+            <a:r>
+              <a:rPr lang="en-US" i="1" dirty="0" err="1"/>
+              <a:t>mohamed@ubuntu</a:t>
+            </a:r>
+            <a:r>
+              <a:rPr lang="en-US" i="1" dirty="0"/>
+              <a:t>:~/Desktop$ </a:t>
+            </a:r>
+            <a:r>
+              <a:rPr lang="en-US" i="1" dirty="0" err="1"/>
+              <a:t>sudo</a:t>
+            </a:r>
+            <a:r>
+              <a:rPr lang="en-US" i="1" dirty="0"/>
+              <a:t> </a:t>
+            </a:r>
+            <a:r>
+              <a:rPr lang="en-US" i="1" dirty="0" err="1"/>
+              <a:t>docker</a:t>
+            </a:r>
+            <a:r>
+              <a:rPr lang="en-US" i="1" dirty="0"/>
+              <a:t> push </a:t>
+            </a:r>
+            <a:r>
+              <a:rPr lang="en-US" i="1" dirty="0" err="1"/>
+              <a:t>mohamadsabra</a:t>
+            </a:r>
+            <a:r>
+              <a:rPr lang="en-US" i="1" dirty="0"/>
+              <a:t>/</a:t>
+            </a:r>
+            <a:r>
+              <a:rPr lang="en-US" i="1" dirty="0" err="1"/>
+              <a:t>helloworldimage</a:t>
+            </a:r>
+            <a:endParaRPr lang="en-US" i="1" dirty="0"/>
+          </a:p>
+          <a:p>
+            <a:pPr marL="0" indent="0">
+              <a:buNone/>
+            </a:pPr>
+            <a:r>
+              <a:rPr lang="en-US" i="1" dirty="0"/>
+              <a:t>The push refers to repository [docker.io/</a:t>
+            </a:r>
+            <a:r>
+              <a:rPr lang="en-US" i="1" dirty="0" err="1"/>
+              <a:t>mohamadsabra</a:t>
+            </a:r>
+            <a:r>
+              <a:rPr lang="en-US" i="1" dirty="0"/>
+              <a:t>/</a:t>
+            </a:r>
+            <a:r>
+              <a:rPr lang="en-US" i="1" dirty="0" err="1"/>
+              <a:t>helloworldimage</a:t>
+            </a:r>
+            <a:r>
+              <a:rPr lang="en-US" i="1" dirty="0"/>
+              <a:t>]</a:t>
+            </a:r>
+          </a:p>
+          <a:p>
+            <a:pPr marL="0" indent="0">
+              <a:buNone/>
+            </a:pPr>
+            <a:r>
+              <a:rPr lang="en-US" i="1" dirty="0"/>
+              <a:t>273e1f1143c8: Pushing   2.56kB</a:t>
+            </a:r>
+          </a:p>
+          <a:p>
+            <a:pPr marL="0" indent="0">
+              <a:buNone/>
+            </a:pPr>
+            <a:r>
+              <a:rPr lang="en-US" i="1" dirty="0"/>
+              <a:t>7d9c46e3a138: Pushing  4.922MB/283.1MB</a:t>
+            </a:r>
+          </a:p>
+          <a:p>
+            <a:pPr marL="0" indent="0">
+              <a:buNone/>
+            </a:pPr>
+            <a:r>
+              <a:rPr lang="en-US" i="1" dirty="0"/>
+              <a:t>c7aa52d25817: Pushed </a:t>
+            </a:r>
+          </a:p>
+          <a:p>
+            <a:pPr marL="0" indent="0">
+              <a:buNone/>
+            </a:pPr>
+            <a:r>
+              <a:rPr lang="en-US" i="1" dirty="0"/>
+              <a:t>b74ee3884356: Pushed </a:t>
+            </a:r>
+          </a:p>
+          <a:p>
+            <a:pPr marL="0" indent="0">
+              <a:buNone/>
+            </a:pPr>
+            <a:r>
+              <a:rPr lang="en-US" i="1" dirty="0"/>
+              <a:t>83353724c30d: Pushed </a:t>
+            </a:r>
+          </a:p>
+          <a:p>
+            <a:pPr marL="0" indent="0">
+              <a:buNone/>
+            </a:pPr>
+            <a:r>
+              <a:rPr lang="en-US" i="1" dirty="0"/>
+              <a:t>28bd9770e378: Pushing  1.649MB/145.7MB</a:t>
+            </a:r>
+          </a:p>
+          <a:p>
+            <a:pPr marL="0" indent="0">
+              <a:buNone/>
+            </a:pPr>
+            <a:r>
+              <a:rPr lang="en-US" i="1" dirty="0"/>
+              <a:t>88d64f1e569a: Pushing  2.556MB/49.59MB</a:t>
+            </a:r>
+          </a:p>
+          <a:p>
+            <a:pPr marL="0" indent="0">
+              <a:buNone/>
+            </a:pPr>
+            <a:r>
+              <a:rPr lang="en-US" i="1" dirty="0"/>
+              <a:t>c301ef700312: Pushing  539.1kB/99.39MB</a:t>
+            </a:r>
+          </a:p>
+          <a:p>
+            <a:pPr marL="0" indent="0">
+              <a:buNone/>
+            </a:pPr>
+            <a:endParaRPr lang="en-US" i="1" dirty="0"/>
+          </a:p>
+        </p:txBody>
+      </p:sp>
+    </p:spTree>
+    <p:extLst>
+      <p:ext uri="{BB962C8B-B14F-4D97-AF65-F5344CB8AC3E}">
+        <p14:creationId xmlns:p14="http://schemas.microsoft.com/office/powerpoint/2010/main" val="769149589"/>
+      </p:ext>
+    </p:extLst>
+  </p:cSld>
+  <p:clrMapOvr>
+    <a:masterClrMapping/>
+  </p:clrMapOvr>
+  <p:timing>
+    <p:tnLst>
+      <p:par>
+        <p:cTn id="1" dur="indefinite" restart="never" nodeType="tmRoot"/>
+      </p:par>
+    </p:tnLst>
+  </p:timing>
+</p:sld>
+</file>
+
+<file path=ppt/slides/slide16.xml><?xml version="1.0" encoding="utf-8"?>
+<p:sld xmlns:a="http://schemas.openxmlformats.org/drawingml/2006/main" xmlns:r="http://schemas.openxmlformats.org/officeDocument/2006/relationships" xmlns:p="http://schemas.openxmlformats.org/presentationml/2006/main">
+  <p:cSld>
+    <p:spTree>
+      <p:nvGrpSpPr>
+        <p:cNvPr id="1" name=""/>
+        <p:cNvGrpSpPr/>
+        <p:nvPr/>
+      </p:nvGrpSpPr>
+      <p:grpSpPr>
+        <a:xfrm>
+          <a:off x="0" y="0"/>
+          <a:ext cx="0" cy="0"/>
+          <a:chOff x="0" y="0"/>
+          <a:chExt cx="0" cy="0"/>
+        </a:xfrm>
+      </p:grpSpPr>
+      <p:sp>
+        <p:nvSpPr>
+          <p:cNvPr id="2" name="Title 1"/>
+          <p:cNvSpPr>
+            <a:spLocks noGrp="1"/>
+          </p:cNvSpPr>
+          <p:nvPr>
+            <p:ph type="title"/>
+          </p:nvPr>
+        </p:nvSpPr>
+        <p:spPr/>
+        <p:txBody>
+          <a:bodyPr/>
+          <a:lstStyle/>
+          <a:p>
+            <a:r>
+              <a:rPr lang="en-US" b="1" dirty="0" err="1" smtClean="0"/>
+              <a:t>Etape</a:t>
+            </a:r>
+            <a:r>
+              <a:rPr lang="en-US" b="1" dirty="0" smtClean="0"/>
+              <a:t> 7</a:t>
+            </a:r>
+            <a:endParaRPr lang="en-US" b="1" dirty="0"/>
+          </a:p>
+        </p:txBody>
+      </p:sp>
+      <p:sp>
+        <p:nvSpPr>
+          <p:cNvPr id="3" name="Content Placeholder 2"/>
+          <p:cNvSpPr>
+            <a:spLocks noGrp="1"/>
+          </p:cNvSpPr>
+          <p:nvPr>
+            <p:ph idx="1"/>
+          </p:nvPr>
+        </p:nvSpPr>
+        <p:spPr/>
+        <p:txBody>
+          <a:bodyPr>
+            <a:normAutofit fontScale="70000" lnSpcReduction="20000"/>
+          </a:bodyPr>
+          <a:lstStyle/>
+          <a:p>
+            <a:pPr marL="0" indent="0">
+              <a:buNone/>
+            </a:pPr>
+            <a:r>
+              <a:rPr lang="en-US" i="1" dirty="0" err="1"/>
+              <a:t>mohamed@ubuntu</a:t>
+            </a:r>
+            <a:r>
+              <a:rPr lang="en-US" i="1" dirty="0"/>
+              <a:t>:~/Desktop$ </a:t>
+            </a:r>
+            <a:r>
+              <a:rPr lang="en-US" i="1" dirty="0" err="1"/>
+              <a:t>sudo</a:t>
+            </a:r>
+            <a:r>
+              <a:rPr lang="en-US" i="1" dirty="0"/>
+              <a:t> </a:t>
+            </a:r>
+            <a:r>
+              <a:rPr lang="en-US" i="1" dirty="0" err="1"/>
+              <a:t>docker</a:t>
+            </a:r>
+            <a:r>
+              <a:rPr lang="en-US" i="1" dirty="0"/>
+              <a:t> push </a:t>
+            </a:r>
+            <a:r>
+              <a:rPr lang="en-US" i="1" dirty="0" err="1"/>
+              <a:t>mohamadsabra</a:t>
+            </a:r>
+            <a:r>
+              <a:rPr lang="en-US" i="1" dirty="0"/>
+              <a:t>/</a:t>
+            </a:r>
+            <a:r>
+              <a:rPr lang="en-US" i="1" dirty="0" err="1"/>
+              <a:t>helloworldimage:latest</a:t>
+            </a:r>
+            <a:endParaRPr lang="en-US" i="1" dirty="0"/>
+          </a:p>
+          <a:p>
+            <a:pPr marL="0" indent="0">
+              <a:buNone/>
+            </a:pPr>
+            <a:r>
+              <a:rPr lang="en-US" i="1" dirty="0"/>
+              <a:t>The push refers to repository [docker.io/</a:t>
+            </a:r>
+            <a:r>
+              <a:rPr lang="en-US" i="1" dirty="0" err="1"/>
+              <a:t>mohamadsabra</a:t>
+            </a:r>
+            <a:r>
+              <a:rPr lang="en-US" i="1" dirty="0"/>
+              <a:t>/</a:t>
+            </a:r>
+            <a:r>
+              <a:rPr lang="en-US" i="1" dirty="0" err="1"/>
+              <a:t>helloworldimage</a:t>
+            </a:r>
+            <a:r>
+              <a:rPr lang="en-US" i="1" dirty="0"/>
+              <a:t>]</a:t>
+            </a:r>
+          </a:p>
+          <a:p>
+            <a:pPr marL="0" indent="0">
+              <a:buNone/>
+            </a:pPr>
+            <a:r>
+              <a:rPr lang="en-US" i="1" dirty="0"/>
+              <a:t>273e1f1143c8: Pushed </a:t>
+            </a:r>
+          </a:p>
+          <a:p>
+            <a:pPr marL="0" indent="0">
+              <a:buNone/>
+            </a:pPr>
+            <a:r>
+              <a:rPr lang="en-US" i="1" dirty="0"/>
+              <a:t>7d9c46e3a138: Pushed </a:t>
+            </a:r>
+          </a:p>
+          <a:p>
+            <a:pPr marL="0" indent="0">
+              <a:buNone/>
+            </a:pPr>
+            <a:r>
+              <a:rPr lang="en-US" i="1" dirty="0"/>
+              <a:t>c7aa52d25817: Layer already exists </a:t>
+            </a:r>
+          </a:p>
+          <a:p>
+            <a:pPr marL="0" indent="0">
+              <a:buNone/>
+            </a:pPr>
+            <a:r>
+              <a:rPr lang="en-US" i="1" dirty="0"/>
+              <a:t>b74ee3884356: Layer already exists </a:t>
+            </a:r>
+          </a:p>
+          <a:p>
+            <a:pPr marL="0" indent="0">
+              <a:buNone/>
+            </a:pPr>
+            <a:r>
+              <a:rPr lang="en-US" i="1" dirty="0"/>
+              <a:t>83353724c30d: Layer already exists </a:t>
+            </a:r>
+          </a:p>
+          <a:p>
+            <a:pPr marL="0" indent="0">
+              <a:buNone/>
+            </a:pPr>
+            <a:r>
+              <a:rPr lang="en-US" i="1" dirty="0"/>
+              <a:t>28bd9770e378: Pushed </a:t>
+            </a:r>
+          </a:p>
+          <a:p>
+            <a:pPr marL="0" indent="0">
+              <a:buNone/>
+            </a:pPr>
+            <a:r>
+              <a:rPr lang="en-US" i="1" dirty="0"/>
+              <a:t>88d64f1e569a: Pushed </a:t>
+            </a:r>
+          </a:p>
+          <a:p>
+            <a:pPr marL="0" indent="0">
+              <a:buNone/>
+            </a:pPr>
+            <a:r>
+              <a:rPr lang="en-US" i="1" dirty="0"/>
+              <a:t>c301ef700312: Pushed </a:t>
+            </a:r>
+          </a:p>
+          <a:p>
+            <a:pPr marL="0" indent="0">
+              <a:buNone/>
+            </a:pPr>
+            <a:r>
+              <a:rPr lang="en-US" i="1" dirty="0"/>
+              <a:t>latest: digest: sha256:8803474c7376aecece69dcc50bd8eb7592f78dfc42ef7a2fae50498d12d6c966 size: 1997</a:t>
+            </a:r>
+          </a:p>
+          <a:p>
+            <a:pPr marL="0" indent="0">
+              <a:buNone/>
+            </a:pPr>
+            <a:endParaRPr lang="en-US" i="1" dirty="0"/>
+          </a:p>
+        </p:txBody>
+      </p:sp>
+    </p:spTree>
+    <p:extLst>
+      <p:ext uri="{BB962C8B-B14F-4D97-AF65-F5344CB8AC3E}">
+        <p14:creationId xmlns:p14="http://schemas.microsoft.com/office/powerpoint/2010/main" val="357236205"/>
+      </p:ext>
+    </p:extLst>
+  </p:cSld>
+  <p:clrMapOvr>
+    <a:masterClrMapping/>
+  </p:clrMapOvr>
+  <p:timing>
+    <p:tnLst>
+      <p:par>
+        <p:cTn id="1" dur="indefinite" restart="never" nodeType="tmRoot"/>
+      </p:par>
+    </p:tnLst>
+  </p:timing>
+</p:sld>
+</file>
+
+<file path=ppt/slides/slide17.xml><?xml version="1.0" encoding="utf-8"?>
+<p:sld xmlns:a="http://schemas.openxmlformats.org/drawingml/2006/main" xmlns:r="http://schemas.openxmlformats.org/officeDocument/2006/relationships" xmlns:p="http://schemas.openxmlformats.org/presentationml/2006/main">
+  <p:cSld>
+    <p:spTree>
+      <p:nvGrpSpPr>
+        <p:cNvPr id="1" name=""/>
+        <p:cNvGrpSpPr/>
+        <p:nvPr/>
+      </p:nvGrpSpPr>
+      <p:grpSpPr>
+        <a:xfrm>
+          <a:off x="0" y="0"/>
+          <a:ext cx="0" cy="0"/>
+          <a:chOff x="0" y="0"/>
+          <a:chExt cx="0" cy="0"/>
+        </a:xfrm>
+      </p:grpSpPr>
+      <p:sp>
+        <p:nvSpPr>
+          <p:cNvPr id="2" name="Title 1"/>
+          <p:cNvSpPr>
+            <a:spLocks noGrp="1"/>
+          </p:cNvSpPr>
+          <p:nvPr>
+            <p:ph type="title"/>
+          </p:nvPr>
+        </p:nvSpPr>
+        <p:spPr/>
+        <p:txBody>
+          <a:bodyPr/>
+          <a:lstStyle/>
+          <a:p>
+            <a:r>
+              <a:rPr lang="en-US" b="1" dirty="0" err="1" smtClean="0"/>
+              <a:t>Etape</a:t>
+            </a:r>
+            <a:r>
+              <a:rPr lang="en-US" b="1" dirty="0" smtClean="0"/>
+              <a:t> 8</a:t>
+            </a:r>
+            <a:endParaRPr lang="en-US" b="1" dirty="0"/>
+          </a:p>
+        </p:txBody>
+      </p:sp>
+      <p:sp>
+        <p:nvSpPr>
+          <p:cNvPr id="3" name="Content Placeholder 2"/>
+          <p:cNvSpPr>
+            <a:spLocks noGrp="1"/>
+          </p:cNvSpPr>
+          <p:nvPr>
+            <p:ph idx="1"/>
+          </p:nvPr>
+        </p:nvSpPr>
+        <p:spPr/>
+        <p:txBody>
+          <a:bodyPr/>
+          <a:lstStyle/>
+          <a:p>
+            <a:r>
+              <a:rPr lang="en-US" dirty="0" err="1" smtClean="0"/>
+              <a:t>docker</a:t>
+            </a:r>
+            <a:r>
+              <a:rPr lang="en-US" dirty="0" smtClean="0"/>
+              <a:t> pull </a:t>
+            </a:r>
+            <a:r>
+              <a:rPr lang="en-US" dirty="0" err="1" smtClean="0"/>
+              <a:t>IDonDockerHub</a:t>
+            </a:r>
+            <a:r>
+              <a:rPr lang="en-US" dirty="0" smtClean="0"/>
+              <a:t>/</a:t>
+            </a:r>
+            <a:r>
+              <a:rPr lang="en-US" dirty="0" err="1" smtClean="0"/>
+              <a:t>imagename</a:t>
+            </a:r>
+            <a:endParaRPr lang="en-US" dirty="0" smtClean="0"/>
+          </a:p>
+          <a:p>
+            <a:pPr marL="0" indent="0">
+              <a:buNone/>
+            </a:pPr>
+            <a:endParaRPr lang="en-US" dirty="0"/>
+          </a:p>
+        </p:txBody>
+      </p:sp>
+    </p:spTree>
+    <p:extLst>
+      <p:ext uri="{BB962C8B-B14F-4D97-AF65-F5344CB8AC3E}">
+        <p14:creationId xmlns:p14="http://schemas.microsoft.com/office/powerpoint/2010/main" val="1413063632"/>
+      </p:ext>
+    </p:extLst>
+  </p:cSld>
+  <p:clrMapOvr>
+    <a:masterClrMapping/>
+  </p:clrMapOvr>
+  <p:timing>
+    <p:tnLst>
+      <p:par>
+        <p:cTn id="1" dur="indefinite" restart="never" nodeType="tmRoot"/>
+      </p:par>
+    </p:tnLst>
+  </p:timing>
+</p:sld>
+</file>
+
+<file path=ppt/slides/slide18.xml><?xml version="1.0" encoding="utf-8"?>
+<p:sld xmlns:a="http://schemas.openxmlformats.org/drawingml/2006/main" xmlns:r="http://schemas.openxmlformats.org/officeDocument/2006/relationships" xmlns:p="http://schemas.openxmlformats.org/presentationml/2006/main">
+  <p:cSld>
+    <p:spTree>
+      <p:nvGrpSpPr>
+        <p:cNvPr id="1" name=""/>
+        <p:cNvGrpSpPr/>
+        <p:nvPr/>
+      </p:nvGrpSpPr>
+      <p:grpSpPr>
+        <a:xfrm>
+          <a:off x="0" y="0"/>
+          <a:ext cx="0" cy="0"/>
+          <a:chOff x="0" y="0"/>
+          <a:chExt cx="0" cy="0"/>
+        </a:xfrm>
+      </p:grpSpPr>
+      <p:sp>
+        <p:nvSpPr>
+          <p:cNvPr id="2" name="Title 1"/>
+          <p:cNvSpPr>
+            <a:spLocks noGrp="1"/>
+          </p:cNvSpPr>
+          <p:nvPr>
+            <p:ph type="title"/>
+          </p:nvPr>
+        </p:nvSpPr>
+        <p:spPr/>
+        <p:txBody>
+          <a:bodyPr/>
+          <a:lstStyle/>
+          <a:p>
+            <a:r>
               <a:rPr lang="en-US" b="1" i="1" dirty="0" err="1" smtClean="0"/>
               <a:t>Etape</a:t>
             </a:r>
             <a:r>
               <a:rPr lang="en-US" b="1" i="1" dirty="0" smtClean="0"/>
-              <a:t> 10</a:t>
+              <a:t> 9</a:t>
             </a:r>
             <a:endParaRPr lang="en-US" b="1" i="1" dirty="0"/>
           </a:p>
@@ -3465,8 +4507,13 @@
             </a:r>
             <a:r>
               <a:rPr lang="en-US" i="1" dirty="0" smtClean="0"/>
-              <a:t> run hello-world</a:t>
-            </a:r>
+              <a:t> run </a:t>
+            </a:r>
+            <a:r>
+              <a:rPr lang="en-US" i="1" dirty="0" err="1" smtClean="0"/>
+              <a:t>imagename</a:t>
+            </a:r>
+            <a:endParaRPr lang="en-US" i="1" dirty="0" smtClean="0"/>
           </a:p>
           <a:p>
             <a:endParaRPr lang="en-US" i="1" dirty="0"/>
@@ -3532,7 +4579,7 @@
 </p:sld>
 </file>
 
-<file path=ppt/slides/slide14.xml><?xml version="1.0" encoding="utf-8"?>
+<file path=ppt/slides/slide19.xml><?xml version="1.0" encoding="utf-8"?>
 <p:sld xmlns:a="http://schemas.openxmlformats.org/drawingml/2006/main" xmlns:r="http://schemas.openxmlformats.org/officeDocument/2006/relationships" xmlns:p="http://schemas.openxmlformats.org/presentationml/2006/main">
   <p:cSld>
     <p:spTree>
@@ -4176,7 +5223,7 @@
             </a:r>
             <a:r>
               <a:rPr lang="fr-FR" dirty="0" smtClean="0"/>
-              <a:t>réer un simple manifeste.txt (</a:t>
+              <a:t>réer un simple manifest.txt (</a:t>
             </a:r>
             <a:r>
               <a:rPr lang="fr-FR" dirty="0" err="1" smtClean="0"/>
@@ -4205,7 +5252,7 @@
             </a:pPr>
             <a:r>
               <a:rPr lang="en-US" dirty="0" smtClean="0"/>
-              <a:t>Created-By: Me</a:t>
+              <a:t>Created-By: Your Name</a:t>
             </a:r>
           </a:p>
           <a:p>
@@ -4447,6 +5494,11 @@
               <a:rPr lang="en-US" dirty="0" smtClean="0"/>
               <a:t>)</a:t>
             </a:r>
+          </a:p>
+          <a:p>
+            <a:pPr marL="0" indent="0">
+              <a:buNone/>
+            </a:pPr>
             <a:endParaRPr lang="en-US" dirty="0"/>
           </a:p>
         </p:txBody>
@@ -4502,7 +5554,7 @@
             </a:r>
             <a:r>
               <a:rPr lang="en-US" b="1" dirty="0" smtClean="0"/>
-              <a:t> 6</a:t>
+              <a:t> 5</a:t>
             </a:r>
             <a:endParaRPr lang="en-US" b="1" dirty="0"/>
           </a:p>
@@ -4520,35 +5572,277 @@
         </p:nvSpPr>
         <p:spPr/>
         <p:txBody>
-          <a:bodyPr/>
-          <a:lstStyle/>
-          <a:p>
-            <a:r>
-              <a:rPr lang="fr-FR" dirty="0"/>
-              <a:t>C</a:t>
+          <a:bodyPr>
+            <a:normAutofit fontScale="85000" lnSpcReduction="20000"/>
+          </a:bodyPr>
+          <a:lstStyle/>
+          <a:p>
+            <a:pPr marL="0" indent="0">
+              <a:buNone/>
+            </a:pPr>
+            <a:r>
+              <a:rPr lang="fr-FR" dirty="0" err="1" smtClean="0"/>
+              <a:t>mohamed@ubuntu</a:t>
             </a:r>
             <a:r>
               <a:rPr lang="fr-FR" dirty="0" smtClean="0"/>
-              <a:t>réez un compte sur dockerhub.com et créez le dépôt "hello-world" pour pousser votre image dans votre dépôt.</a:t>
-            </a:r>
-          </a:p>
-          <a:p>
+              <a:t>:~/Desktop$ </a:t>
+            </a:r>
+            <a:r>
+              <a:rPr lang="fr-FR" dirty="0" err="1" smtClean="0"/>
+              <a:t>sudo</a:t>
+            </a:r>
             <a:r>
               <a:rPr lang="fr-FR" dirty="0" smtClean="0"/>
-              <a:t>Une fois que vous vous êtes inscrit et que vous avez créé un dépôt , accédez à la ligne de commande et connectez-vous avec: </a:t>
-            </a:r>
-            <a:r>
-              <a:rPr lang="fr-FR" i="1" dirty="0" smtClean="0"/>
-              <a:t>docker login</a:t>
-            </a:r>
-            <a:endParaRPr lang="en-US" i="1" dirty="0"/>
+              <a:t> docker </a:t>
+            </a:r>
+            <a:r>
+              <a:rPr lang="fr-FR" dirty="0" err="1" smtClean="0"/>
+              <a:t>build</a:t>
+            </a:r>
+            <a:r>
+              <a:rPr lang="fr-FR" dirty="0" smtClean="0"/>
+              <a:t> -t </a:t>
+            </a:r>
+            <a:r>
+              <a:rPr lang="fr-FR" dirty="0" err="1" smtClean="0"/>
+              <a:t>helloworldimage</a:t>
+            </a:r>
+            <a:r>
+              <a:rPr lang="fr-FR" dirty="0" smtClean="0"/>
+              <a:t> . </a:t>
+            </a:r>
+          </a:p>
+          <a:p>
+            <a:pPr marL="0" indent="0">
+              <a:buNone/>
+            </a:pPr>
+            <a:r>
+              <a:rPr lang="fr-FR" dirty="0" err="1" smtClean="0"/>
+              <a:t>Sending</a:t>
+            </a:r>
+            <a:r>
+              <a:rPr lang="fr-FR" dirty="0" smtClean="0"/>
+              <a:t> </a:t>
+            </a:r>
+            <a:r>
+              <a:rPr lang="fr-FR" dirty="0" err="1" smtClean="0"/>
+              <a:t>build</a:t>
+            </a:r>
+            <a:r>
+              <a:rPr lang="fr-FR" dirty="0" smtClean="0"/>
+              <a:t> </a:t>
+            </a:r>
+            <a:r>
+              <a:rPr lang="fr-FR" dirty="0" err="1" smtClean="0"/>
+              <a:t>context</a:t>
+            </a:r>
+            <a:r>
+              <a:rPr lang="fr-FR" dirty="0" smtClean="0"/>
+              <a:t> to Docker daemon  6.656kB</a:t>
+            </a:r>
+          </a:p>
+          <a:p>
+            <a:pPr marL="0" indent="0">
+              <a:buNone/>
+            </a:pPr>
+            <a:r>
+              <a:rPr lang="fr-FR" dirty="0" err="1" smtClean="0"/>
+              <a:t>Step</a:t>
+            </a:r>
+            <a:r>
+              <a:rPr lang="fr-FR" dirty="0" smtClean="0"/>
+              <a:t> 1/5 : FROM java:9</a:t>
+            </a:r>
+          </a:p>
+          <a:p>
+            <a:pPr marL="0" indent="0">
+              <a:buNone/>
+            </a:pPr>
+            <a:r>
+              <a:rPr lang="fr-FR" dirty="0" smtClean="0"/>
+              <a:t>9: </a:t>
+            </a:r>
+            <a:r>
+              <a:rPr lang="fr-FR" dirty="0" err="1" smtClean="0"/>
+              <a:t>Pulling</a:t>
+            </a:r>
+            <a:r>
+              <a:rPr lang="fr-FR" dirty="0" smtClean="0"/>
+              <a:t> </a:t>
+            </a:r>
+            <a:r>
+              <a:rPr lang="fr-FR" dirty="0" err="1" smtClean="0"/>
+              <a:t>from</a:t>
+            </a:r>
+            <a:r>
+              <a:rPr lang="fr-FR" dirty="0" smtClean="0"/>
+              <a:t> </a:t>
+            </a:r>
+            <a:r>
+              <a:rPr lang="fr-FR" dirty="0" err="1" smtClean="0"/>
+              <a:t>library</a:t>
+            </a:r>
+            <a:r>
+              <a:rPr lang="fr-FR" dirty="0" smtClean="0"/>
+              <a:t>/java</a:t>
+            </a:r>
+          </a:p>
+          <a:p>
+            <a:pPr marL="0" indent="0">
+              <a:buNone/>
+            </a:pPr>
+            <a:r>
+              <a:rPr lang="fr-FR" dirty="0" smtClean="0"/>
+              <a:t>96adffeba971: Pull </a:t>
+            </a:r>
+            <a:r>
+              <a:rPr lang="fr-FR" dirty="0" err="1" smtClean="0"/>
+              <a:t>complete</a:t>
+            </a:r>
+            <a:r>
+              <a:rPr lang="fr-FR" dirty="0" smtClean="0"/>
+              <a:t> </a:t>
+            </a:r>
+          </a:p>
+          <a:p>
+            <a:pPr marL="0" indent="0">
+              <a:buNone/>
+            </a:pPr>
+            <a:r>
+              <a:rPr lang="fr-FR" dirty="0" smtClean="0"/>
+              <a:t>b72591232915: Pull </a:t>
+            </a:r>
+            <a:r>
+              <a:rPr lang="fr-FR" dirty="0" err="1" smtClean="0"/>
+              <a:t>complete</a:t>
+            </a:r>
+            <a:r>
+              <a:rPr lang="fr-FR" dirty="0" smtClean="0"/>
+              <a:t> </a:t>
+            </a:r>
+          </a:p>
+          <a:p>
+            <a:pPr marL="0" indent="0">
+              <a:buNone/>
+            </a:pPr>
+            <a:r>
+              <a:rPr lang="fr-FR" dirty="0" smtClean="0"/>
+              <a:t>43e5ec7de751: </a:t>
+            </a:r>
+            <a:r>
+              <a:rPr lang="fr-FR" dirty="0" err="1" smtClean="0"/>
+              <a:t>Downloading</a:t>
+            </a:r>
+            <a:r>
+              <a:rPr lang="fr-FR" dirty="0" smtClean="0"/>
+              <a:t>  24.12MB/51.22MB</a:t>
+            </a:r>
+          </a:p>
+          <a:p>
+            <a:pPr marL="0" indent="0">
+              <a:buNone/>
+            </a:pPr>
+            <a:r>
+              <a:rPr lang="fr-FR" dirty="0" smtClean="0"/>
+              <a:t>121993890cd4: </a:t>
+            </a:r>
+            <a:r>
+              <a:rPr lang="fr-FR" dirty="0" err="1" smtClean="0"/>
+              <a:t>Download</a:t>
+            </a:r>
+            <a:r>
+              <a:rPr lang="fr-FR" dirty="0" smtClean="0"/>
+              <a:t> </a:t>
+            </a:r>
+            <a:r>
+              <a:rPr lang="fr-FR" dirty="0" err="1" smtClean="0"/>
+              <a:t>complete</a:t>
+            </a:r>
+            <a:r>
+              <a:rPr lang="fr-FR" dirty="0" smtClean="0"/>
+              <a:t> </a:t>
+            </a:r>
+          </a:p>
+          <a:p>
+            <a:pPr marL="0" indent="0">
+              <a:buNone/>
+            </a:pPr>
+            <a:r>
+              <a:rPr lang="fr-FR" dirty="0" smtClean="0"/>
+              <a:t>8c137dfeb464: </a:t>
+            </a:r>
+            <a:r>
+              <a:rPr lang="fr-FR" dirty="0" err="1" smtClean="0"/>
+              <a:t>Download</a:t>
+            </a:r>
+            <a:r>
+              <a:rPr lang="fr-FR" dirty="0" smtClean="0"/>
+              <a:t> </a:t>
+            </a:r>
+            <a:r>
+              <a:rPr lang="fr-FR" dirty="0" err="1" smtClean="0"/>
+              <a:t>complete</a:t>
+            </a:r>
+            <a:r>
+              <a:rPr lang="fr-FR" dirty="0" smtClean="0"/>
+              <a:t> </a:t>
+            </a:r>
+          </a:p>
+          <a:p>
+            <a:pPr marL="0" indent="0">
+              <a:buNone/>
+            </a:pPr>
+            <a:r>
+              <a:rPr lang="fr-FR" dirty="0" smtClean="0"/>
+              <a:t>ec6d48ce44eb: </a:t>
+            </a:r>
+            <a:r>
+              <a:rPr lang="fr-FR" dirty="0" err="1" smtClean="0"/>
+              <a:t>Download</a:t>
+            </a:r>
+            <a:r>
+              <a:rPr lang="fr-FR" dirty="0" smtClean="0"/>
+              <a:t> </a:t>
+            </a:r>
+            <a:r>
+              <a:rPr lang="fr-FR" dirty="0" err="1" smtClean="0"/>
+              <a:t>complete</a:t>
+            </a:r>
+            <a:r>
+              <a:rPr lang="fr-FR" dirty="0" smtClean="0"/>
+              <a:t> </a:t>
+            </a:r>
+          </a:p>
+          <a:p>
+            <a:pPr marL="0" indent="0">
+              <a:buNone/>
+            </a:pPr>
+            <a:r>
+              <a:rPr lang="fr-FR" dirty="0" smtClean="0"/>
+              <a:t>ff400272ea3d: </a:t>
+            </a:r>
+            <a:r>
+              <a:rPr lang="fr-FR" dirty="0" err="1" smtClean="0"/>
+              <a:t>Downloading</a:t>
+            </a:r>
+            <a:r>
+              <a:rPr lang="fr-FR" dirty="0" smtClean="0"/>
+              <a:t>  22.96MB/144.3MB</a:t>
+            </a:r>
+          </a:p>
+          <a:p>
+            <a:pPr marL="0" indent="0">
+              <a:buNone/>
+            </a:pPr>
+            <a:endParaRPr lang="en-US" dirty="0"/>
           </a:p>
         </p:txBody>
       </p:sp>
     </p:spTree>
     <p:extLst>
       <p:ext uri="{BB962C8B-B14F-4D97-AF65-F5344CB8AC3E}">
-        <p14:creationId xmlns:p14="http://schemas.microsoft.com/office/powerpoint/2010/main" val="363345429"/>
+        <p14:creationId xmlns:p14="http://schemas.microsoft.com/office/powerpoint/2010/main" val="3736341484"/>
       </p:ext>
     </p:extLst>
   </p:cSld>

--- a/Tutoriel.pptx
+++ b/Tutoriel.pptx
@@ -3036,12 +3036,29 @@
             <p:ph type="subTitle" idx="1"/>
           </p:nvPr>
         </p:nvSpPr>
-        <p:spPr/>
-        <p:txBody>
-          <a:bodyPr/>
-          <a:lstStyle/>
-          <a:p>
-            <a:endParaRPr lang="en-US"/>
+        <p:spPr>
+          <a:xfrm>
+            <a:off x="1385977" y="5775895"/>
+            <a:ext cx="9144000" cy="1655762"/>
+          </a:xfrm>
+        </p:spPr>
+        <p:txBody>
+          <a:bodyPr/>
+          <a:lstStyle/>
+          <a:p>
+            <a:r>
+              <a:rPr lang="en-US" dirty="0" err="1" smtClean="0"/>
+              <a:t>Pr</a:t>
+            </a:r>
+            <a:r>
+              <a:rPr lang="en-US" dirty="0" err="1" smtClean="0"/>
+              <a:t>ésenté</a:t>
+            </a:r>
+            <a:r>
+              <a:rPr lang="en-US" dirty="0" smtClean="0"/>
+              <a:t> par: Mohamed Sabra</a:t>
+            </a:r>
+            <a:endParaRPr lang="en-US" dirty="0"/>
           </a:p>
         </p:txBody>
       </p:sp>
